--- a/figures/figure_04.pptx
+++ b/figures/figure_04.pptx
@@ -126,7 +126,7 @@
 <file path=ppt/revisionInfo.xml><?xml version="1.0" encoding="utf-8"?>
 <p1510:revInfo xmlns:a="http://schemas.openxmlformats.org/drawingml/2006/main" xmlns:r="http://schemas.openxmlformats.org/officeDocument/2006/relationships" xmlns:p1510="http://schemas.microsoft.com/office/powerpoint/2015/10/main">
   <p1510:revLst>
-    <p1510:client id="{5FBCF187-51CF-4944-9EAA-5640B5896C80}" v="3" dt="2025-11-07T19:11:32.616"/>
+    <p1510:client id="{5FBCF187-51CF-4944-9EAA-5640B5896C80}" v="4" dt="2025-11-17T23:35:47.926"/>
   </p1510:revLst>
 </p1510:revInfo>
 </file>
@@ -136,12 +136,12 @@
   <pc:docChgLst>
     <pc:chgData name="Gilbert, Neil" userId="37be9f5c-8f28-415b-96d6-624acf93bb3f" providerId="ADAL" clId="{18ED56B6-1921-416C-9A28-3F6F3C8390B5}"/>
     <pc:docChg chg="custSel modSld">
-      <pc:chgData name="Gilbert, Neil" userId="37be9f5c-8f28-415b-96d6-624acf93bb3f" providerId="ADAL" clId="{18ED56B6-1921-416C-9A28-3F6F3C8390B5}" dt="2025-11-07T19:11:35.389" v="17" actId="167"/>
+      <pc:chgData name="Gilbert, Neil" userId="37be9f5c-8f28-415b-96d6-624acf93bb3f" providerId="ADAL" clId="{18ED56B6-1921-416C-9A28-3F6F3C8390B5}" dt="2025-11-17T23:35:50.256" v="22" actId="167"/>
       <pc:docMkLst>
         <pc:docMk/>
       </pc:docMkLst>
       <pc:sldChg chg="addSp delSp modSp mod">
-        <pc:chgData name="Gilbert, Neil" userId="37be9f5c-8f28-415b-96d6-624acf93bb3f" providerId="ADAL" clId="{18ED56B6-1921-416C-9A28-3F6F3C8390B5}" dt="2025-11-07T19:11:35.389" v="17" actId="167"/>
+        <pc:chgData name="Gilbert, Neil" userId="37be9f5c-8f28-415b-96d6-624acf93bb3f" providerId="ADAL" clId="{18ED56B6-1921-416C-9A28-3F6F3C8390B5}" dt="2025-11-17T23:35:50.256" v="22" actId="167"/>
         <pc:sldMkLst>
           <pc:docMk/>
           <pc:sldMk cId="2836578197" sldId="256"/>
@@ -162,20 +162,20 @@
             <ac:spMk id="10" creationId="{D16478DC-403D-556C-FCFD-ADE30CE03FAB}"/>
           </ac:spMkLst>
         </pc:spChg>
-        <pc:picChg chg="add mod ord">
-          <ac:chgData name="Gilbert, Neil" userId="37be9f5c-8f28-415b-96d6-624acf93bb3f" providerId="ADAL" clId="{18ED56B6-1921-416C-9A28-3F6F3C8390B5}" dt="2025-11-07T19:11:35.389" v="17" actId="167"/>
+        <pc:picChg chg="add del mod ord">
+          <ac:chgData name="Gilbert, Neil" userId="37be9f5c-8f28-415b-96d6-624acf93bb3f" providerId="ADAL" clId="{18ED56B6-1921-416C-9A28-3F6F3C8390B5}" dt="2025-11-17T23:35:45.242" v="18" actId="478"/>
           <ac:picMkLst>
             <pc:docMk/>
             <pc:sldMk cId="2836578197" sldId="256"/>
             <ac:picMk id="3" creationId="{0A85054D-17E0-DCD5-06E7-430D0EC7209F}"/>
           </ac:picMkLst>
         </pc:picChg>
-        <pc:picChg chg="add del mod ord">
-          <ac:chgData name="Gilbert, Neil" userId="37be9f5c-8f28-415b-96d6-624acf93bb3f" providerId="ADAL" clId="{18ED56B6-1921-416C-9A28-3F6F3C8390B5}" dt="2025-11-07T19:11:26.739" v="13" actId="478"/>
+        <pc:picChg chg="add mod ord">
+          <ac:chgData name="Gilbert, Neil" userId="37be9f5c-8f28-415b-96d6-624acf93bb3f" providerId="ADAL" clId="{18ED56B6-1921-416C-9A28-3F6F3C8390B5}" dt="2025-11-17T23:35:50.256" v="22" actId="167"/>
           <ac:picMkLst>
             <pc:docMk/>
             <pc:sldMk cId="2836578197" sldId="256"/>
-            <ac:picMk id="4" creationId="{F59186B5-AFB3-3CFC-C22B-CBA33C541F22}"/>
+            <ac:picMk id="4" creationId="{724FD05F-A21C-C7D6-3C7D-3FB7C0F836DF}"/>
           </ac:picMkLst>
         </pc:picChg>
       </pc:sldChg>
@@ -315,7 +315,7 @@
           <a:p>
             <a:fld id="{31F95BDC-8D99-4639-AB7D-5820D82CFE5E}" type="datetimeFigureOut">
               <a:rPr lang="en-US" smtClean="0"/>
-              <a:t>11/7/2025</a:t>
+              <a:t>11/17/2025</a:t>
             </a:fld>
             <a:endParaRPr lang="en-US"/>
           </a:p>
@@ -485,7 +485,7 @@
           <a:p>
             <a:fld id="{31F95BDC-8D99-4639-AB7D-5820D82CFE5E}" type="datetimeFigureOut">
               <a:rPr lang="en-US" smtClean="0"/>
-              <a:t>11/7/2025</a:t>
+              <a:t>11/17/2025</a:t>
             </a:fld>
             <a:endParaRPr lang="en-US"/>
           </a:p>
@@ -665,7 +665,7 @@
           <a:p>
             <a:fld id="{31F95BDC-8D99-4639-AB7D-5820D82CFE5E}" type="datetimeFigureOut">
               <a:rPr lang="en-US" smtClean="0"/>
-              <a:t>11/7/2025</a:t>
+              <a:t>11/17/2025</a:t>
             </a:fld>
             <a:endParaRPr lang="en-US"/>
           </a:p>
@@ -835,7 +835,7 @@
           <a:p>
             <a:fld id="{31F95BDC-8D99-4639-AB7D-5820D82CFE5E}" type="datetimeFigureOut">
               <a:rPr lang="en-US" smtClean="0"/>
-              <a:t>11/7/2025</a:t>
+              <a:t>11/17/2025</a:t>
             </a:fld>
             <a:endParaRPr lang="en-US"/>
           </a:p>
@@ -1081,7 +1081,7 @@
           <a:p>
             <a:fld id="{31F95BDC-8D99-4639-AB7D-5820D82CFE5E}" type="datetimeFigureOut">
               <a:rPr lang="en-US" smtClean="0"/>
-              <a:t>11/7/2025</a:t>
+              <a:t>11/17/2025</a:t>
             </a:fld>
             <a:endParaRPr lang="en-US"/>
           </a:p>
@@ -1313,7 +1313,7 @@
           <a:p>
             <a:fld id="{31F95BDC-8D99-4639-AB7D-5820D82CFE5E}" type="datetimeFigureOut">
               <a:rPr lang="en-US" smtClean="0"/>
-              <a:t>11/7/2025</a:t>
+              <a:t>11/17/2025</a:t>
             </a:fld>
             <a:endParaRPr lang="en-US"/>
           </a:p>
@@ -1680,7 +1680,7 @@
           <a:p>
             <a:fld id="{31F95BDC-8D99-4639-AB7D-5820D82CFE5E}" type="datetimeFigureOut">
               <a:rPr lang="en-US" smtClean="0"/>
-              <a:t>11/7/2025</a:t>
+              <a:t>11/17/2025</a:t>
             </a:fld>
             <a:endParaRPr lang="en-US"/>
           </a:p>
@@ -1798,7 +1798,7 @@
           <a:p>
             <a:fld id="{31F95BDC-8D99-4639-AB7D-5820D82CFE5E}" type="datetimeFigureOut">
               <a:rPr lang="en-US" smtClean="0"/>
-              <a:t>11/7/2025</a:t>
+              <a:t>11/17/2025</a:t>
             </a:fld>
             <a:endParaRPr lang="en-US"/>
           </a:p>
@@ -1893,7 +1893,7 @@
           <a:p>
             <a:fld id="{31F95BDC-8D99-4639-AB7D-5820D82CFE5E}" type="datetimeFigureOut">
               <a:rPr lang="en-US" smtClean="0"/>
-              <a:t>11/7/2025</a:t>
+              <a:t>11/17/2025</a:t>
             </a:fld>
             <a:endParaRPr lang="en-US"/>
           </a:p>
@@ -2170,7 +2170,7 @@
           <a:p>
             <a:fld id="{31F95BDC-8D99-4639-AB7D-5820D82CFE5E}" type="datetimeFigureOut">
               <a:rPr lang="en-US" smtClean="0"/>
-              <a:t>11/7/2025</a:t>
+              <a:t>11/17/2025</a:t>
             </a:fld>
             <a:endParaRPr lang="en-US"/>
           </a:p>
@@ -2427,7 +2427,7 @@
           <a:p>
             <a:fld id="{31F95BDC-8D99-4639-AB7D-5820D82CFE5E}" type="datetimeFigureOut">
               <a:rPr lang="en-US" smtClean="0"/>
-              <a:t>11/7/2025</a:t>
+              <a:t>11/17/2025</a:t>
             </a:fld>
             <a:endParaRPr lang="en-US"/>
           </a:p>
@@ -2640,7 +2640,7 @@
           <a:p>
             <a:fld id="{31F95BDC-8D99-4639-AB7D-5820D82CFE5E}" type="datetimeFigureOut">
               <a:rPr lang="en-US" smtClean="0"/>
-              <a:t>11/7/2025</a:t>
+              <a:t>11/17/2025</a:t>
             </a:fld>
             <a:endParaRPr lang="en-US"/>
           </a:p>
@@ -3047,10 +3047,10 @@
       </p:grpSpPr>
       <p:pic>
         <p:nvPicPr>
-          <p:cNvPr id="3" name="Picture 2" descr="A close-up of a colorful pattern&#10;&#10;AI-generated content may be incorrect.">
+          <p:cNvPr id="4" name="Picture 3" descr="A close-up of a colorful pattern&#10;&#10;AI-generated content may be incorrect.">
             <a:extLst>
               <a:ext uri="{FF2B5EF4-FFF2-40B4-BE49-F238E27FC236}">
-                <a16:creationId xmlns:a16="http://schemas.microsoft.com/office/drawing/2014/main" id="{0A85054D-17E0-DCD5-06E7-430D0EC7209F}"/>
+                <a16:creationId xmlns:a16="http://schemas.microsoft.com/office/drawing/2014/main" id="{724FD05F-A21C-C7D6-3C7D-3FB7C0F836DF}"/>
               </a:ext>
             </a:extLst>
           </p:cNvPr>

--- a/figures/figure_04.pptx
+++ b/figures/figure_04.pptx
@@ -135,43 +135,19 @@
 <pc:chgInfo xmlns:a="http://schemas.openxmlformats.org/drawingml/2006/main" xmlns:r="http://schemas.openxmlformats.org/officeDocument/2006/relationships" xmlns:ac="http://schemas.microsoft.com/office/drawing/2013/main/command" xmlns:pc="http://schemas.microsoft.com/office/powerpoint/2013/main/command">
   <pc:docChgLst>
     <pc:chgData name="Gilbert, Neil" userId="37be9f5c-8f28-415b-96d6-624acf93bb3f" providerId="ADAL" clId="{18ED56B6-1921-416C-9A28-3F6F3C8390B5}"/>
-    <pc:docChg chg="custSel modSld">
-      <pc:chgData name="Gilbert, Neil" userId="37be9f5c-8f28-415b-96d6-624acf93bb3f" providerId="ADAL" clId="{18ED56B6-1921-416C-9A28-3F6F3C8390B5}" dt="2025-11-17T23:35:50.256" v="22" actId="167"/>
+    <pc:docChg chg="undo custSel modSld">
+      <pc:chgData name="Gilbert, Neil" userId="37be9f5c-8f28-415b-96d6-624acf93bb3f" providerId="ADAL" clId="{18ED56B6-1921-416C-9A28-3F6F3C8390B5}" dt="2025-11-20T18:01:12.358" v="24" actId="478"/>
       <pc:docMkLst>
         <pc:docMk/>
       </pc:docMkLst>
       <pc:sldChg chg="addSp delSp modSp mod">
-        <pc:chgData name="Gilbert, Neil" userId="37be9f5c-8f28-415b-96d6-624acf93bb3f" providerId="ADAL" clId="{18ED56B6-1921-416C-9A28-3F6F3C8390B5}" dt="2025-11-17T23:35:50.256" v="22" actId="167"/>
+        <pc:chgData name="Gilbert, Neil" userId="37be9f5c-8f28-415b-96d6-624acf93bb3f" providerId="ADAL" clId="{18ED56B6-1921-416C-9A28-3F6F3C8390B5}" dt="2025-11-20T18:01:12.358" v="24" actId="478"/>
         <pc:sldMkLst>
           <pc:docMk/>
           <pc:sldMk cId="2836578197" sldId="256"/>
         </pc:sldMkLst>
-        <pc:spChg chg="mod">
-          <ac:chgData name="Gilbert, Neil" userId="37be9f5c-8f28-415b-96d6-624acf93bb3f" providerId="ADAL" clId="{18ED56B6-1921-416C-9A28-3F6F3C8390B5}" dt="2025-10-20T17:35:38.811" v="2" actId="207"/>
-          <ac:spMkLst>
-            <pc:docMk/>
-            <pc:sldMk cId="2836578197" sldId="256"/>
-            <ac:spMk id="9" creationId="{6194787B-37C2-3A8E-FE79-9E55F41FE5BC}"/>
-          </ac:spMkLst>
-        </pc:spChg>
-        <pc:spChg chg="mod">
-          <ac:chgData name="Gilbert, Neil" userId="37be9f5c-8f28-415b-96d6-624acf93bb3f" providerId="ADAL" clId="{18ED56B6-1921-416C-9A28-3F6F3C8390B5}" dt="2025-10-20T17:35:07.719" v="1" actId="207"/>
-          <ac:spMkLst>
-            <pc:docMk/>
-            <pc:sldMk cId="2836578197" sldId="256"/>
-            <ac:spMk id="10" creationId="{D16478DC-403D-556C-FCFD-ADE30CE03FAB}"/>
-          </ac:spMkLst>
-        </pc:spChg>
         <pc:picChg chg="add del mod ord">
-          <ac:chgData name="Gilbert, Neil" userId="37be9f5c-8f28-415b-96d6-624acf93bb3f" providerId="ADAL" clId="{18ED56B6-1921-416C-9A28-3F6F3C8390B5}" dt="2025-11-17T23:35:45.242" v="18" actId="478"/>
-          <ac:picMkLst>
-            <pc:docMk/>
-            <pc:sldMk cId="2836578197" sldId="256"/>
-            <ac:picMk id="3" creationId="{0A85054D-17E0-DCD5-06E7-430D0EC7209F}"/>
-          </ac:picMkLst>
-        </pc:picChg>
-        <pc:picChg chg="add mod ord">
-          <ac:chgData name="Gilbert, Neil" userId="37be9f5c-8f28-415b-96d6-624acf93bb3f" providerId="ADAL" clId="{18ED56B6-1921-416C-9A28-3F6F3C8390B5}" dt="2025-11-17T23:35:50.256" v="22" actId="167"/>
+          <ac:chgData name="Gilbert, Neil" userId="37be9f5c-8f28-415b-96d6-624acf93bb3f" providerId="ADAL" clId="{18ED56B6-1921-416C-9A28-3F6F3C8390B5}" dt="2025-11-20T18:01:12.358" v="24" actId="478"/>
           <ac:picMkLst>
             <pc:docMk/>
             <pc:sldMk cId="2836578197" sldId="256"/>
@@ -315,7 +291,7 @@
           <a:p>
             <a:fld id="{31F95BDC-8D99-4639-AB7D-5820D82CFE5E}" type="datetimeFigureOut">
               <a:rPr lang="en-US" smtClean="0"/>
-              <a:t>11/17/2025</a:t>
+              <a:t>11/20/2025</a:t>
             </a:fld>
             <a:endParaRPr lang="en-US"/>
           </a:p>
@@ -485,7 +461,7 @@
           <a:p>
             <a:fld id="{31F95BDC-8D99-4639-AB7D-5820D82CFE5E}" type="datetimeFigureOut">
               <a:rPr lang="en-US" smtClean="0"/>
-              <a:t>11/17/2025</a:t>
+              <a:t>11/20/2025</a:t>
             </a:fld>
             <a:endParaRPr lang="en-US"/>
           </a:p>
@@ -665,7 +641,7 @@
           <a:p>
             <a:fld id="{31F95BDC-8D99-4639-AB7D-5820D82CFE5E}" type="datetimeFigureOut">
               <a:rPr lang="en-US" smtClean="0"/>
-              <a:t>11/17/2025</a:t>
+              <a:t>11/20/2025</a:t>
             </a:fld>
             <a:endParaRPr lang="en-US"/>
           </a:p>
@@ -835,7 +811,7 @@
           <a:p>
             <a:fld id="{31F95BDC-8D99-4639-AB7D-5820D82CFE5E}" type="datetimeFigureOut">
               <a:rPr lang="en-US" smtClean="0"/>
-              <a:t>11/17/2025</a:t>
+              <a:t>11/20/2025</a:t>
             </a:fld>
             <a:endParaRPr lang="en-US"/>
           </a:p>
@@ -1081,7 +1057,7 @@
           <a:p>
             <a:fld id="{31F95BDC-8D99-4639-AB7D-5820D82CFE5E}" type="datetimeFigureOut">
               <a:rPr lang="en-US" smtClean="0"/>
-              <a:t>11/17/2025</a:t>
+              <a:t>11/20/2025</a:t>
             </a:fld>
             <a:endParaRPr lang="en-US"/>
           </a:p>
@@ -1313,7 +1289,7 @@
           <a:p>
             <a:fld id="{31F95BDC-8D99-4639-AB7D-5820D82CFE5E}" type="datetimeFigureOut">
               <a:rPr lang="en-US" smtClean="0"/>
-              <a:t>11/17/2025</a:t>
+              <a:t>11/20/2025</a:t>
             </a:fld>
             <a:endParaRPr lang="en-US"/>
           </a:p>
@@ -1680,7 +1656,7 @@
           <a:p>
             <a:fld id="{31F95BDC-8D99-4639-AB7D-5820D82CFE5E}" type="datetimeFigureOut">
               <a:rPr lang="en-US" smtClean="0"/>
-              <a:t>11/17/2025</a:t>
+              <a:t>11/20/2025</a:t>
             </a:fld>
             <a:endParaRPr lang="en-US"/>
           </a:p>
@@ -1798,7 +1774,7 @@
           <a:p>
             <a:fld id="{31F95BDC-8D99-4639-AB7D-5820D82CFE5E}" type="datetimeFigureOut">
               <a:rPr lang="en-US" smtClean="0"/>
-              <a:t>11/17/2025</a:t>
+              <a:t>11/20/2025</a:t>
             </a:fld>
             <a:endParaRPr lang="en-US"/>
           </a:p>
@@ -1893,7 +1869,7 @@
           <a:p>
             <a:fld id="{31F95BDC-8D99-4639-AB7D-5820D82CFE5E}" type="datetimeFigureOut">
               <a:rPr lang="en-US" smtClean="0"/>
-              <a:t>11/17/2025</a:t>
+              <a:t>11/20/2025</a:t>
             </a:fld>
             <a:endParaRPr lang="en-US"/>
           </a:p>
@@ -2170,7 +2146,7 @@
           <a:p>
             <a:fld id="{31F95BDC-8D99-4639-AB7D-5820D82CFE5E}" type="datetimeFigureOut">
               <a:rPr lang="en-US" smtClean="0"/>
-              <a:t>11/17/2025</a:t>
+              <a:t>11/20/2025</a:t>
             </a:fld>
             <a:endParaRPr lang="en-US"/>
           </a:p>
@@ -2427,7 +2403,7 @@
           <a:p>
             <a:fld id="{31F95BDC-8D99-4639-AB7D-5820D82CFE5E}" type="datetimeFigureOut">
               <a:rPr lang="en-US" smtClean="0"/>
-              <a:t>11/17/2025</a:t>
+              <a:t>11/20/2025</a:t>
             </a:fld>
             <a:endParaRPr lang="en-US"/>
           </a:p>
@@ -2640,7 +2616,7 @@
           <a:p>
             <a:fld id="{31F95BDC-8D99-4639-AB7D-5820D82CFE5E}" type="datetimeFigureOut">
               <a:rPr lang="en-US" smtClean="0"/>
-              <a:t>11/17/2025</a:t>
+              <a:t>11/20/2025</a:t>
             </a:fld>
             <a:endParaRPr lang="en-US"/>
           </a:p>
